--- a/Jogo Da Forca.pptx
+++ b/Jogo Da Forca.pptx
@@ -5,14 +5,8 @@
     <p:sldMasterId id="2147483648" r:id="rId1"/>
   </p:sldMasterIdLst>
   <p:sldIdLst>
-    <p:sldId id="256" r:id="rId2"/>
-    <p:sldId id="257" r:id="rId3"/>
-    <p:sldId id="258" r:id="rId4"/>
-    <p:sldId id="259" r:id="rId5"/>
-    <p:sldId id="260" r:id="rId6"/>
-    <p:sldId id="261" r:id="rId7"/>
-    <p:sldId id="262" r:id="rId8"/>
-    <p:sldId id="263" r:id="rId9"/>
+    <p:sldId id="257" r:id="rId2"/>
+    <p:sldId id="258" r:id="rId3"/>
   </p:sldIdLst>
   <p:sldSz cx="9144000" cy="6858000" type="screen4x3"/>
   <p:notesSz cx="6858000" cy="9144000"/>
@@ -111,6 +105,22 @@
       </a:defRPr>
     </a:lvl9pPr>
   </p:defaultTextStyle>
+  <p:extLst>
+    <p:ext uri="{EFAFB233-063F-42B5-8137-9DF3F51BA10A}">
+      <p15:sldGuideLst xmlns:p15="http://schemas.microsoft.com/office/powerpoint/2012/main">
+        <p15:guide id="1" orient="horz" pos="2160">
+          <p15:clr>
+            <a:srgbClr val="A4A3A4"/>
+          </p15:clr>
+        </p15:guide>
+        <p15:guide id="2" pos="2880">
+          <p15:clr>
+            <a:srgbClr val="A4A3A4"/>
+          </p15:clr>
+        </p15:guide>
+      </p15:sldGuideLst>
+    </p:ext>
+  </p:extLst>
 </p:presentation>
 </file>
 
@@ -152,7 +162,7 @@
           <a:lstStyle/>
           <a:p>
             <a:r>
-              <a:rPr lang="x-none" smtClean="0"/>
+              <a:rPr lang="x-none"/>
               <a:t>Click to edit Master title style</a:t>
             </a:r>
             <a:endParaRPr lang="en-US"/>
@@ -271,7 +281,7 @@
           </a:lstStyle>
           <a:p>
             <a:r>
-              <a:rPr lang="x-none" smtClean="0"/>
+              <a:rPr lang="x-none"/>
               <a:t>Click to edit Master subtitle style</a:t>
             </a:r>
             <a:endParaRPr lang="en-US"/>
@@ -295,7 +305,7 @@
           <a:p>
             <a:fld id="{6E281C9B-5F27-5247-B030-C043FFA88D4F}" type="datetimeFigureOut">
               <a:rPr lang="en-US" smtClean="0"/>
-              <a:t>30/01/18</a:t>
+              <a:t>12/10/19</a:t>
             </a:fld>
             <a:endParaRPr lang="en-US"/>
           </a:p>
@@ -337,7 +347,7 @@
           <a:p>
             <a:fld id="{F8FA1E8F-2136-B343-ABE3-595E6F6BFB07}" type="slidenum">
               <a:rPr lang="en-US" smtClean="0"/>
-              <a:t>‹#›</a:t>
+              <a:t>‹nº›</a:t>
             </a:fld>
             <a:endParaRPr lang="en-US"/>
           </a:p>
@@ -389,7 +399,7 @@
           <a:lstStyle/>
           <a:p>
             <a:r>
-              <a:rPr lang="x-none" smtClean="0"/>
+              <a:rPr lang="x-none"/>
               <a:t>Click to edit Master title style</a:t>
             </a:r>
             <a:endParaRPr lang="en-US"/>
@@ -413,35 +423,35 @@
           <a:p>
             <a:pPr lvl="0"/>
             <a:r>
-              <a:rPr lang="x-none" smtClean="0"/>
+              <a:rPr lang="x-none"/>
               <a:t>Click to edit Master text styles</a:t>
             </a:r>
           </a:p>
           <a:p>
             <a:pPr lvl="1"/>
             <a:r>
-              <a:rPr lang="x-none" smtClean="0"/>
+              <a:rPr lang="x-none"/>
               <a:t>Second level</a:t>
             </a:r>
           </a:p>
           <a:p>
             <a:pPr lvl="2"/>
             <a:r>
-              <a:rPr lang="x-none" smtClean="0"/>
+              <a:rPr lang="x-none"/>
               <a:t>Third level</a:t>
             </a:r>
           </a:p>
           <a:p>
             <a:pPr lvl="3"/>
             <a:r>
-              <a:rPr lang="x-none" smtClean="0"/>
+              <a:rPr lang="x-none"/>
               <a:t>Fourth level</a:t>
             </a:r>
           </a:p>
           <a:p>
             <a:pPr lvl="4"/>
             <a:r>
-              <a:rPr lang="x-none" smtClean="0"/>
+              <a:rPr lang="x-none"/>
               <a:t>Fifth level</a:t>
             </a:r>
             <a:endParaRPr lang="en-US"/>
@@ -465,7 +475,7 @@
           <a:p>
             <a:fld id="{6E281C9B-5F27-5247-B030-C043FFA88D4F}" type="datetimeFigureOut">
               <a:rPr lang="en-US" smtClean="0"/>
-              <a:t>30/01/18</a:t>
+              <a:t>12/10/19</a:t>
             </a:fld>
             <a:endParaRPr lang="en-US"/>
           </a:p>
@@ -507,7 +517,7 @@
           <a:p>
             <a:fld id="{F8FA1E8F-2136-B343-ABE3-595E6F6BFB07}" type="slidenum">
               <a:rPr lang="en-US" smtClean="0"/>
-              <a:t>‹#›</a:t>
+              <a:t>‹nº›</a:t>
             </a:fld>
             <a:endParaRPr lang="en-US"/>
           </a:p>
@@ -564,7 +574,7 @@
           <a:lstStyle/>
           <a:p>
             <a:r>
-              <a:rPr lang="x-none" smtClean="0"/>
+              <a:rPr lang="x-none"/>
               <a:t>Click to edit Master title style</a:t>
             </a:r>
             <a:endParaRPr lang="en-US"/>
@@ -593,35 +603,35 @@
           <a:p>
             <a:pPr lvl="0"/>
             <a:r>
-              <a:rPr lang="x-none" smtClean="0"/>
+              <a:rPr lang="x-none"/>
               <a:t>Click to edit Master text styles</a:t>
             </a:r>
           </a:p>
           <a:p>
             <a:pPr lvl="1"/>
             <a:r>
-              <a:rPr lang="x-none" smtClean="0"/>
+              <a:rPr lang="x-none"/>
               <a:t>Second level</a:t>
             </a:r>
           </a:p>
           <a:p>
             <a:pPr lvl="2"/>
             <a:r>
-              <a:rPr lang="x-none" smtClean="0"/>
+              <a:rPr lang="x-none"/>
               <a:t>Third level</a:t>
             </a:r>
           </a:p>
           <a:p>
             <a:pPr lvl="3"/>
             <a:r>
-              <a:rPr lang="x-none" smtClean="0"/>
+              <a:rPr lang="x-none"/>
               <a:t>Fourth level</a:t>
             </a:r>
           </a:p>
           <a:p>
             <a:pPr lvl="4"/>
             <a:r>
-              <a:rPr lang="x-none" smtClean="0"/>
+              <a:rPr lang="x-none"/>
               <a:t>Fifth level</a:t>
             </a:r>
             <a:endParaRPr lang="en-US"/>
@@ -645,7 +655,7 @@
           <a:p>
             <a:fld id="{6E281C9B-5F27-5247-B030-C043FFA88D4F}" type="datetimeFigureOut">
               <a:rPr lang="en-US" smtClean="0"/>
-              <a:t>30/01/18</a:t>
+              <a:t>12/10/19</a:t>
             </a:fld>
             <a:endParaRPr lang="en-US"/>
           </a:p>
@@ -687,7 +697,7 @@
           <a:p>
             <a:fld id="{F8FA1E8F-2136-B343-ABE3-595E6F6BFB07}" type="slidenum">
               <a:rPr lang="en-US" smtClean="0"/>
-              <a:t>‹#›</a:t>
+              <a:t>‹nº›</a:t>
             </a:fld>
             <a:endParaRPr lang="en-US"/>
           </a:p>
@@ -739,7 +749,7 @@
           <a:lstStyle/>
           <a:p>
             <a:r>
-              <a:rPr lang="x-none" smtClean="0"/>
+              <a:rPr lang="x-none"/>
               <a:t>Click to edit Master title style</a:t>
             </a:r>
             <a:endParaRPr lang="en-US"/>
@@ -763,35 +773,35 @@
           <a:p>
             <a:pPr lvl="0"/>
             <a:r>
-              <a:rPr lang="x-none" smtClean="0"/>
+              <a:rPr lang="x-none"/>
               <a:t>Click to edit Master text styles</a:t>
             </a:r>
           </a:p>
           <a:p>
             <a:pPr lvl="1"/>
             <a:r>
-              <a:rPr lang="x-none" smtClean="0"/>
+              <a:rPr lang="x-none"/>
               <a:t>Second level</a:t>
             </a:r>
           </a:p>
           <a:p>
             <a:pPr lvl="2"/>
             <a:r>
-              <a:rPr lang="x-none" smtClean="0"/>
+              <a:rPr lang="x-none"/>
               <a:t>Third level</a:t>
             </a:r>
           </a:p>
           <a:p>
             <a:pPr lvl="3"/>
             <a:r>
-              <a:rPr lang="x-none" smtClean="0"/>
+              <a:rPr lang="x-none"/>
               <a:t>Fourth level</a:t>
             </a:r>
           </a:p>
           <a:p>
             <a:pPr lvl="4"/>
             <a:r>
-              <a:rPr lang="x-none" smtClean="0"/>
+              <a:rPr lang="x-none"/>
               <a:t>Fifth level</a:t>
             </a:r>
             <a:endParaRPr lang="en-US"/>
@@ -815,7 +825,7 @@
           <a:p>
             <a:fld id="{6E281C9B-5F27-5247-B030-C043FFA88D4F}" type="datetimeFigureOut">
               <a:rPr lang="en-US" smtClean="0"/>
-              <a:t>30/01/18</a:t>
+              <a:t>12/10/19</a:t>
             </a:fld>
             <a:endParaRPr lang="en-US"/>
           </a:p>
@@ -857,7 +867,7 @@
           <a:p>
             <a:fld id="{F8FA1E8F-2136-B343-ABE3-595E6F6BFB07}" type="slidenum">
               <a:rPr lang="en-US" smtClean="0"/>
-              <a:t>‹#›</a:t>
+              <a:t>‹nº›</a:t>
             </a:fld>
             <a:endParaRPr lang="en-US"/>
           </a:p>
@@ -918,7 +928,7 @@
           </a:lstStyle>
           <a:p>
             <a:r>
-              <a:rPr lang="x-none" smtClean="0"/>
+              <a:rPr lang="x-none"/>
               <a:t>Click to edit Master title style</a:t>
             </a:r>
             <a:endParaRPr lang="en-US"/>
@@ -1038,7 +1048,7 @@
           <a:p>
             <a:pPr lvl="0"/>
             <a:r>
-              <a:rPr lang="x-none" smtClean="0"/>
+              <a:rPr lang="x-none"/>
               <a:t>Click to edit Master text styles</a:t>
             </a:r>
           </a:p>
@@ -1061,7 +1071,7 @@
           <a:p>
             <a:fld id="{6E281C9B-5F27-5247-B030-C043FFA88D4F}" type="datetimeFigureOut">
               <a:rPr lang="en-US" smtClean="0"/>
-              <a:t>30/01/18</a:t>
+              <a:t>12/10/19</a:t>
             </a:fld>
             <a:endParaRPr lang="en-US"/>
           </a:p>
@@ -1103,7 +1113,7 @@
           <a:p>
             <a:fld id="{F8FA1E8F-2136-B343-ABE3-595E6F6BFB07}" type="slidenum">
               <a:rPr lang="en-US" smtClean="0"/>
-              <a:t>‹#›</a:t>
+              <a:t>‹nº›</a:t>
             </a:fld>
             <a:endParaRPr lang="en-US"/>
           </a:p>
@@ -1155,7 +1165,7 @@
           <a:lstStyle/>
           <a:p>
             <a:r>
-              <a:rPr lang="x-none" smtClean="0"/>
+              <a:rPr lang="x-none"/>
               <a:t>Click to edit Master title style</a:t>
             </a:r>
             <a:endParaRPr lang="en-US"/>
@@ -1212,35 +1222,35 @@
           <a:p>
             <a:pPr lvl="0"/>
             <a:r>
-              <a:rPr lang="x-none" smtClean="0"/>
+              <a:rPr lang="x-none"/>
               <a:t>Click to edit Master text styles</a:t>
             </a:r>
           </a:p>
           <a:p>
             <a:pPr lvl="1"/>
             <a:r>
-              <a:rPr lang="x-none" smtClean="0"/>
+              <a:rPr lang="x-none"/>
               <a:t>Second level</a:t>
             </a:r>
           </a:p>
           <a:p>
             <a:pPr lvl="2"/>
             <a:r>
-              <a:rPr lang="x-none" smtClean="0"/>
+              <a:rPr lang="x-none"/>
               <a:t>Third level</a:t>
             </a:r>
           </a:p>
           <a:p>
             <a:pPr lvl="3"/>
             <a:r>
-              <a:rPr lang="x-none" smtClean="0"/>
+              <a:rPr lang="x-none"/>
               <a:t>Fourth level</a:t>
             </a:r>
           </a:p>
           <a:p>
             <a:pPr lvl="4"/>
             <a:r>
-              <a:rPr lang="x-none" smtClean="0"/>
+              <a:rPr lang="x-none"/>
               <a:t>Fifth level</a:t>
             </a:r>
             <a:endParaRPr lang="en-US"/>
@@ -1297,35 +1307,35 @@
           <a:p>
             <a:pPr lvl="0"/>
             <a:r>
-              <a:rPr lang="x-none" smtClean="0"/>
+              <a:rPr lang="x-none"/>
               <a:t>Click to edit Master text styles</a:t>
             </a:r>
           </a:p>
           <a:p>
             <a:pPr lvl="1"/>
             <a:r>
-              <a:rPr lang="x-none" smtClean="0"/>
+              <a:rPr lang="x-none"/>
               <a:t>Second level</a:t>
             </a:r>
           </a:p>
           <a:p>
             <a:pPr lvl="2"/>
             <a:r>
-              <a:rPr lang="x-none" smtClean="0"/>
+              <a:rPr lang="x-none"/>
               <a:t>Third level</a:t>
             </a:r>
           </a:p>
           <a:p>
             <a:pPr lvl="3"/>
             <a:r>
-              <a:rPr lang="x-none" smtClean="0"/>
+              <a:rPr lang="x-none"/>
               <a:t>Fourth level</a:t>
             </a:r>
           </a:p>
           <a:p>
             <a:pPr lvl="4"/>
             <a:r>
-              <a:rPr lang="x-none" smtClean="0"/>
+              <a:rPr lang="x-none"/>
               <a:t>Fifth level</a:t>
             </a:r>
             <a:endParaRPr lang="en-US"/>
@@ -1349,7 +1359,7 @@
           <a:p>
             <a:fld id="{6E281C9B-5F27-5247-B030-C043FFA88D4F}" type="datetimeFigureOut">
               <a:rPr lang="en-US" smtClean="0"/>
-              <a:t>30/01/18</a:t>
+              <a:t>12/10/19</a:t>
             </a:fld>
             <a:endParaRPr lang="en-US"/>
           </a:p>
@@ -1391,7 +1401,7 @@
           <a:p>
             <a:fld id="{F8FA1E8F-2136-B343-ABE3-595E6F6BFB07}" type="slidenum">
               <a:rPr lang="en-US" smtClean="0"/>
-              <a:t>‹#›</a:t>
+              <a:t>‹nº›</a:t>
             </a:fld>
             <a:endParaRPr lang="en-US"/>
           </a:p>
@@ -1447,7 +1457,7 @@
           </a:lstStyle>
           <a:p>
             <a:r>
-              <a:rPr lang="x-none" smtClean="0"/>
+              <a:rPr lang="x-none"/>
               <a:t>Click to edit Master title style</a:t>
             </a:r>
             <a:endParaRPr lang="en-US"/>
@@ -1513,7 +1523,7 @@
           <a:p>
             <a:pPr lvl="0"/>
             <a:r>
-              <a:rPr lang="x-none" smtClean="0"/>
+              <a:rPr lang="x-none"/>
               <a:t>Click to edit Master text styles</a:t>
             </a:r>
           </a:p>
@@ -1569,35 +1579,35 @@
           <a:p>
             <a:pPr lvl="0"/>
             <a:r>
-              <a:rPr lang="x-none" smtClean="0"/>
+              <a:rPr lang="x-none"/>
               <a:t>Click to edit Master text styles</a:t>
             </a:r>
           </a:p>
           <a:p>
             <a:pPr lvl="1"/>
             <a:r>
-              <a:rPr lang="x-none" smtClean="0"/>
+              <a:rPr lang="x-none"/>
               <a:t>Second level</a:t>
             </a:r>
           </a:p>
           <a:p>
             <a:pPr lvl="2"/>
             <a:r>
-              <a:rPr lang="x-none" smtClean="0"/>
+              <a:rPr lang="x-none"/>
               <a:t>Third level</a:t>
             </a:r>
           </a:p>
           <a:p>
             <a:pPr lvl="3"/>
             <a:r>
-              <a:rPr lang="x-none" smtClean="0"/>
+              <a:rPr lang="x-none"/>
               <a:t>Fourth level</a:t>
             </a:r>
           </a:p>
           <a:p>
             <a:pPr lvl="4"/>
             <a:r>
-              <a:rPr lang="x-none" smtClean="0"/>
+              <a:rPr lang="x-none"/>
               <a:t>Fifth level</a:t>
             </a:r>
             <a:endParaRPr lang="en-US"/>
@@ -1663,7 +1673,7 @@
           <a:p>
             <a:pPr lvl="0"/>
             <a:r>
-              <a:rPr lang="x-none" smtClean="0"/>
+              <a:rPr lang="x-none"/>
               <a:t>Click to edit Master text styles</a:t>
             </a:r>
           </a:p>
@@ -1719,35 +1729,35 @@
           <a:p>
             <a:pPr lvl="0"/>
             <a:r>
-              <a:rPr lang="x-none" smtClean="0"/>
+              <a:rPr lang="x-none"/>
               <a:t>Click to edit Master text styles</a:t>
             </a:r>
           </a:p>
           <a:p>
             <a:pPr lvl="1"/>
             <a:r>
-              <a:rPr lang="x-none" smtClean="0"/>
+              <a:rPr lang="x-none"/>
               <a:t>Second level</a:t>
             </a:r>
           </a:p>
           <a:p>
             <a:pPr lvl="2"/>
             <a:r>
-              <a:rPr lang="x-none" smtClean="0"/>
+              <a:rPr lang="x-none"/>
               <a:t>Third level</a:t>
             </a:r>
           </a:p>
           <a:p>
             <a:pPr lvl="3"/>
             <a:r>
-              <a:rPr lang="x-none" smtClean="0"/>
+              <a:rPr lang="x-none"/>
               <a:t>Fourth level</a:t>
             </a:r>
           </a:p>
           <a:p>
             <a:pPr lvl="4"/>
             <a:r>
-              <a:rPr lang="x-none" smtClean="0"/>
+              <a:rPr lang="x-none"/>
               <a:t>Fifth level</a:t>
             </a:r>
             <a:endParaRPr lang="en-US"/>
@@ -1771,7 +1781,7 @@
           <a:p>
             <a:fld id="{6E281C9B-5F27-5247-B030-C043FFA88D4F}" type="datetimeFigureOut">
               <a:rPr lang="en-US" smtClean="0"/>
-              <a:t>30/01/18</a:t>
+              <a:t>12/10/19</a:t>
             </a:fld>
             <a:endParaRPr lang="en-US"/>
           </a:p>
@@ -1813,7 +1823,7 @@
           <a:p>
             <a:fld id="{F8FA1E8F-2136-B343-ABE3-595E6F6BFB07}" type="slidenum">
               <a:rPr lang="en-US" smtClean="0"/>
-              <a:t>‹#›</a:t>
+              <a:t>‹nº›</a:t>
             </a:fld>
             <a:endParaRPr lang="en-US"/>
           </a:p>
@@ -1865,7 +1875,7 @@
           <a:lstStyle/>
           <a:p>
             <a:r>
-              <a:rPr lang="x-none" smtClean="0"/>
+              <a:rPr lang="x-none"/>
               <a:t>Click to edit Master title style</a:t>
             </a:r>
             <a:endParaRPr lang="en-US"/>
@@ -1889,7 +1899,7 @@
           <a:p>
             <a:fld id="{6E281C9B-5F27-5247-B030-C043FFA88D4F}" type="datetimeFigureOut">
               <a:rPr lang="en-US" smtClean="0"/>
-              <a:t>30/01/18</a:t>
+              <a:t>12/10/19</a:t>
             </a:fld>
             <a:endParaRPr lang="en-US"/>
           </a:p>
@@ -1931,7 +1941,7 @@
           <a:p>
             <a:fld id="{F8FA1E8F-2136-B343-ABE3-595E6F6BFB07}" type="slidenum">
               <a:rPr lang="en-US" smtClean="0"/>
-              <a:t>‹#›</a:t>
+              <a:t>‹nº›</a:t>
             </a:fld>
             <a:endParaRPr lang="en-US"/>
           </a:p>
@@ -1984,7 +1994,7 @@
           <a:p>
             <a:fld id="{6E281C9B-5F27-5247-B030-C043FFA88D4F}" type="datetimeFigureOut">
               <a:rPr lang="en-US" smtClean="0"/>
-              <a:t>30/01/18</a:t>
+              <a:t>12/10/19</a:t>
             </a:fld>
             <a:endParaRPr lang="en-US"/>
           </a:p>
@@ -2026,7 +2036,7 @@
           <a:p>
             <a:fld id="{F8FA1E8F-2136-B343-ABE3-595E6F6BFB07}" type="slidenum">
               <a:rPr lang="en-US" smtClean="0"/>
-              <a:t>‹#›</a:t>
+              <a:t>‹nº›</a:t>
             </a:fld>
             <a:endParaRPr lang="en-US"/>
           </a:p>
@@ -2087,7 +2097,7 @@
           </a:lstStyle>
           <a:p>
             <a:r>
-              <a:rPr lang="x-none" smtClean="0"/>
+              <a:rPr lang="x-none"/>
               <a:t>Click to edit Master title style</a:t>
             </a:r>
             <a:endParaRPr lang="en-US"/>
@@ -2144,35 +2154,35 @@
           <a:p>
             <a:pPr lvl="0"/>
             <a:r>
-              <a:rPr lang="x-none" smtClean="0"/>
+              <a:rPr lang="x-none"/>
               <a:t>Click to edit Master text styles</a:t>
             </a:r>
           </a:p>
           <a:p>
             <a:pPr lvl="1"/>
             <a:r>
-              <a:rPr lang="x-none" smtClean="0"/>
+              <a:rPr lang="x-none"/>
               <a:t>Second level</a:t>
             </a:r>
           </a:p>
           <a:p>
             <a:pPr lvl="2"/>
             <a:r>
-              <a:rPr lang="x-none" smtClean="0"/>
+              <a:rPr lang="x-none"/>
               <a:t>Third level</a:t>
             </a:r>
           </a:p>
           <a:p>
             <a:pPr lvl="3"/>
             <a:r>
-              <a:rPr lang="x-none" smtClean="0"/>
+              <a:rPr lang="x-none"/>
               <a:t>Fourth level</a:t>
             </a:r>
           </a:p>
           <a:p>
             <a:pPr lvl="4"/>
             <a:r>
-              <a:rPr lang="x-none" smtClean="0"/>
+              <a:rPr lang="x-none"/>
               <a:t>Fifth level</a:t>
             </a:r>
             <a:endParaRPr lang="en-US"/>
@@ -2238,7 +2248,7 @@
           <a:p>
             <a:pPr lvl="0"/>
             <a:r>
-              <a:rPr lang="x-none" smtClean="0"/>
+              <a:rPr lang="x-none"/>
               <a:t>Click to edit Master text styles</a:t>
             </a:r>
           </a:p>
@@ -2261,7 +2271,7 @@
           <a:p>
             <a:fld id="{6E281C9B-5F27-5247-B030-C043FFA88D4F}" type="datetimeFigureOut">
               <a:rPr lang="en-US" smtClean="0"/>
-              <a:t>30/01/18</a:t>
+              <a:t>12/10/19</a:t>
             </a:fld>
             <a:endParaRPr lang="en-US"/>
           </a:p>
@@ -2303,7 +2313,7 @@
           <a:p>
             <a:fld id="{F8FA1E8F-2136-B343-ABE3-595E6F6BFB07}" type="slidenum">
               <a:rPr lang="en-US" smtClean="0"/>
-              <a:t>‹#›</a:t>
+              <a:t>‹nº›</a:t>
             </a:fld>
             <a:endParaRPr lang="en-US"/>
           </a:p>
@@ -2364,7 +2374,7 @@
           </a:lstStyle>
           <a:p>
             <a:r>
-              <a:rPr lang="x-none" smtClean="0"/>
+              <a:rPr lang="x-none"/>
               <a:t>Click to edit Master title style</a:t>
             </a:r>
             <a:endParaRPr lang="en-US"/>
@@ -2491,7 +2501,7 @@
           <a:p>
             <a:pPr lvl="0"/>
             <a:r>
-              <a:rPr lang="x-none" smtClean="0"/>
+              <a:rPr lang="x-none"/>
               <a:t>Click to edit Master text styles</a:t>
             </a:r>
           </a:p>
@@ -2514,7 +2524,7 @@
           <a:p>
             <a:fld id="{6E281C9B-5F27-5247-B030-C043FFA88D4F}" type="datetimeFigureOut">
               <a:rPr lang="en-US" smtClean="0"/>
-              <a:t>30/01/18</a:t>
+              <a:t>12/10/19</a:t>
             </a:fld>
             <a:endParaRPr lang="en-US"/>
           </a:p>
@@ -2556,7 +2566,7 @@
           <a:p>
             <a:fld id="{F8FA1E8F-2136-B343-ABE3-595E6F6BFB07}" type="slidenum">
               <a:rPr lang="en-US" smtClean="0"/>
-              <a:t>‹#›</a:t>
+              <a:t>‹nº›</a:t>
             </a:fld>
             <a:endParaRPr lang="en-US"/>
           </a:p>
@@ -2623,7 +2633,7 @@
           <a:lstStyle/>
           <a:p>
             <a:r>
-              <a:rPr lang="x-none" smtClean="0"/>
+              <a:rPr lang="x-none"/>
               <a:t>Click to edit Master title style</a:t>
             </a:r>
             <a:endParaRPr lang="en-US"/>
@@ -2657,35 +2667,35 @@
           <a:p>
             <a:pPr lvl="0"/>
             <a:r>
-              <a:rPr lang="x-none" smtClean="0"/>
+              <a:rPr lang="x-none"/>
               <a:t>Click to edit Master text styles</a:t>
             </a:r>
           </a:p>
           <a:p>
             <a:pPr lvl="1"/>
             <a:r>
-              <a:rPr lang="x-none" smtClean="0"/>
+              <a:rPr lang="x-none"/>
               <a:t>Second level</a:t>
             </a:r>
           </a:p>
           <a:p>
             <a:pPr lvl="2"/>
             <a:r>
-              <a:rPr lang="x-none" smtClean="0"/>
+              <a:rPr lang="x-none"/>
               <a:t>Third level</a:t>
             </a:r>
           </a:p>
           <a:p>
             <a:pPr lvl="3"/>
             <a:r>
-              <a:rPr lang="x-none" smtClean="0"/>
+              <a:rPr lang="x-none"/>
               <a:t>Fourth level</a:t>
             </a:r>
           </a:p>
           <a:p>
             <a:pPr lvl="4"/>
             <a:r>
-              <a:rPr lang="x-none" smtClean="0"/>
+              <a:rPr lang="x-none"/>
               <a:t>Fifth level</a:t>
             </a:r>
             <a:endParaRPr lang="en-US"/>
@@ -2727,7 +2737,7 @@
           <a:p>
             <a:fld id="{6E281C9B-5F27-5247-B030-C043FFA88D4F}" type="datetimeFigureOut">
               <a:rPr lang="en-US" smtClean="0"/>
-              <a:t>30/01/18</a:t>
+              <a:t>12/10/19</a:t>
             </a:fld>
             <a:endParaRPr lang="en-US"/>
           </a:p>
@@ -2805,7 +2815,7 @@
           <a:p>
             <a:fld id="{F8FA1E8F-2136-B343-ABE3-595E6F6BFB07}" type="slidenum">
               <a:rPr lang="en-US" smtClean="0"/>
-              <a:t>‹#›</a:t>
+              <a:t>‹nº›</a:t>
             </a:fld>
             <a:endParaRPr lang="en-US"/>
           </a:p>
@@ -3109,20 +3119,24 @@
             <a:spLocks noGrp="1"/>
           </p:cNvSpPr>
           <p:nvPr>
-            <p:ph type="ctrTitle"/>
-          </p:nvPr>
-        </p:nvSpPr>
-        <p:spPr/>
-        <p:txBody>
-          <a:bodyPr/>
-          <a:lstStyle/>
-          <a:p>
-            <a:r>
-              <a:rPr lang="en-US" dirty="0" smtClean="0"/>
-              <a:t>Jogo Da </a:t>
-            </a:r>
-            <a:r>
-              <a:rPr lang="en-US" dirty="0" err="1" smtClean="0"/>
+            <p:ph type="title"/>
+          </p:nvPr>
+        </p:nvSpPr>
+        <p:spPr/>
+        <p:txBody>
+          <a:bodyPr/>
+          <a:lstStyle/>
+          <a:p>
+            <a:r>
+              <a:rPr lang="en-US" dirty="0" err="1"/>
+              <a:t>Exercício</a:t>
+            </a:r>
+            <a:r>
+              <a:rPr lang="en-US" dirty="0"/>
+              <a:t> da Jogo da </a:t>
+            </a:r>
+            <a:r>
+              <a:rPr lang="en-US" dirty="0" err="1"/>
               <a:t>Forca</a:t>
             </a:r>
             <a:endParaRPr lang="en-US" dirty="0"/>
@@ -3131,27 +3145,35 @@
       </p:sp>
       <p:sp>
         <p:nvSpPr>
-          <p:cNvPr id="3" name="Subtitle 2"/>
-          <p:cNvSpPr>
-            <a:spLocks noGrp="1"/>
-          </p:cNvSpPr>
-          <p:nvPr>
-            <p:ph type="subTitle" idx="1"/>
-          </p:nvPr>
-        </p:nvSpPr>
-        <p:spPr/>
-        <p:txBody>
-          <a:bodyPr/>
-          <a:lstStyle/>
-          <a:p>
-            <a:endParaRPr lang="en-US"/>
+          <p:cNvPr id="3" name="Content Placeholder 2"/>
+          <p:cNvSpPr>
+            <a:spLocks noGrp="1"/>
+          </p:cNvSpPr>
+          <p:nvPr>
+            <p:ph idx="1"/>
+          </p:nvPr>
+        </p:nvSpPr>
+        <p:spPr/>
+        <p:txBody>
+          <a:bodyPr>
+            <a:normAutofit lnSpcReduction="10000"/>
+          </a:bodyPr>
+          <a:lstStyle/>
+          <a:p>
+            <a:r>
+              <a:rPr lang="pt-BR" dirty="0"/>
+              <a:t>Escreva um programa que simule um Jogo de Forca. Inicialmente uma categoria deve ser escolhida (Filmes, Novelas ou Carros). Com base na categoria selecionada deve ser sorteada uma palavra deve ser sorteada e assim o jogo se inicia. Cada categoria deve conter quatro palavras. Um usuário pode cometer no máximo cinco erros. Escolha uma sequencia de imagens para construir a sua solução.</a:t>
+            </a:r>
+          </a:p>
+          <a:p>
+            <a:endParaRPr lang="en-US" dirty="0"/>
           </a:p>
         </p:txBody>
       </p:sp>
     </p:spTree>
     <p:extLst>
       <p:ext uri="{BB962C8B-B14F-4D97-AF65-F5344CB8AC3E}">
-        <p14:creationId xmlns:p14="http://schemas.microsoft.com/office/powerpoint/2010/main" val="969205971"/>
+        <p14:creationId xmlns:p14="http://schemas.microsoft.com/office/powerpoint/2010/main" val="2761470316"/>
       </p:ext>
     </p:extLst>
   </p:cSld>
@@ -3194,106 +3216,18 @@
           <a:lstStyle/>
           <a:p>
             <a:r>
-              <a:rPr lang="en-US" dirty="0" err="1" smtClean="0"/>
-              <a:t>Exerc</a:t>
-            </a:r>
-            <a:r>
-              <a:rPr lang="en-US" dirty="0" err="1" smtClean="0"/>
-              <a:t>ício</a:t>
-            </a:r>
-            <a:r>
-              <a:rPr lang="en-US" dirty="0" smtClean="0"/>
+              <a:rPr lang="en-US" dirty="0" err="1"/>
+              <a:t>Exercício</a:t>
+            </a:r>
+            <a:r>
+              <a:rPr lang="en-US" dirty="0"/>
               <a:t> da Jogo da </a:t>
             </a:r>
             <a:r>
-              <a:rPr lang="en-US" dirty="0" err="1" smtClean="0"/>
+              <a:rPr lang="en-US" dirty="0" err="1"/>
               <a:t>Forca</a:t>
             </a:r>
             <a:endParaRPr lang="en-US" dirty="0"/>
-          </a:p>
-        </p:txBody>
-      </p:sp>
-      <p:sp>
-        <p:nvSpPr>
-          <p:cNvPr id="3" name="Content Placeholder 2"/>
-          <p:cNvSpPr>
-            <a:spLocks noGrp="1"/>
-          </p:cNvSpPr>
-          <p:nvPr>
-            <p:ph idx="1"/>
-          </p:nvPr>
-        </p:nvSpPr>
-        <p:spPr/>
-        <p:txBody>
-          <a:bodyPr>
-            <a:normAutofit lnSpcReduction="10000"/>
-          </a:bodyPr>
-          <a:lstStyle/>
-          <a:p>
-            <a:r>
-              <a:rPr lang="pt-BR" dirty="0"/>
-              <a:t>Escreva um programa que simule um Jogo de Forca. Inicialmente uma categoria deve ser escolhida (Filmes, Novelas ou Carros). Com base na categoria selecionada deve ser sorteada uma palavra deve ser sorteada e assim o jogo se inicia. Cada categoria deve conter quatro palavras. Um usuário pode cometer no máximo cinco erros. </a:t>
-            </a:r>
-            <a:r>
-              <a:rPr lang="pt-BR" dirty="0" smtClean="0"/>
-              <a:t>Escolha uma sequencia de imagens para </a:t>
-            </a:r>
-            <a:r>
-              <a:rPr lang="pt-BR" dirty="0"/>
-              <a:t>construir a sua solução.</a:t>
-            </a:r>
-          </a:p>
-          <a:p>
-            <a:endParaRPr lang="en-US" dirty="0"/>
-          </a:p>
-        </p:txBody>
-      </p:sp>
-    </p:spTree>
-    <p:extLst>
-      <p:ext uri="{BB962C8B-B14F-4D97-AF65-F5344CB8AC3E}">
-        <p14:creationId xmlns:p14="http://schemas.microsoft.com/office/powerpoint/2010/main" val="2761470316"/>
-      </p:ext>
-    </p:extLst>
-  </p:cSld>
-  <p:clrMapOvr>
-    <a:masterClrMapping/>
-  </p:clrMapOvr>
-</p:sld>
-</file>
-
-<file path=ppt/slides/slide3.xml><?xml version="1.0" encoding="utf-8"?>
-<p:sld xmlns:a="http://schemas.openxmlformats.org/drawingml/2006/main" xmlns:r="http://schemas.openxmlformats.org/officeDocument/2006/relationships" xmlns:p="http://schemas.openxmlformats.org/presentationml/2006/main">
-  <p:cSld>
-    <p:spTree>
-      <p:nvGrpSpPr>
-        <p:cNvPr id="1" name=""/>
-        <p:cNvGrpSpPr/>
-        <p:nvPr/>
-      </p:nvGrpSpPr>
-      <p:grpSpPr>
-        <a:xfrm>
-          <a:off x="0" y="0"/>
-          <a:ext cx="0" cy="0"/>
-          <a:chOff x="0" y="0"/>
-          <a:chExt cx="0" cy="0"/>
-        </a:xfrm>
-      </p:grpSpPr>
-      <p:sp>
-        <p:nvSpPr>
-          <p:cNvPr id="2" name="Title 1"/>
-          <p:cNvSpPr>
-            <a:spLocks noGrp="1"/>
-          </p:cNvSpPr>
-          <p:nvPr>
-            <p:ph type="title"/>
-          </p:nvPr>
-        </p:nvSpPr>
-        <p:spPr/>
-        <p:txBody>
-          <a:bodyPr/>
-          <a:lstStyle/>
-          <a:p>
-            <a:endParaRPr lang="en-US"/>
           </a:p>
         </p:txBody>
       </p:sp>
@@ -3320,69 +3254,29 @@
             <a:fillRect/>
           </a:stretch>
         </p:blipFill>
-        <p:spPr/>
+        <p:spPr>
+          <a:xfrm>
+            <a:off x="457200" y="1600200"/>
+            <a:ext cx="2390172" cy="1314503"/>
+          </a:xfrm>
+        </p:spPr>
       </p:pic>
-    </p:spTree>
-    <p:extLst>
-      <p:ext uri="{BB962C8B-B14F-4D97-AF65-F5344CB8AC3E}">
-        <p14:creationId xmlns:p14="http://schemas.microsoft.com/office/powerpoint/2010/main" val="992521868"/>
-      </p:ext>
-    </p:extLst>
-  </p:cSld>
-  <p:clrMapOvr>
-    <a:masterClrMapping/>
-  </p:clrMapOvr>
-</p:sld>
-</file>
-
-<file path=ppt/slides/slide4.xml><?xml version="1.0" encoding="utf-8"?>
-<p:sld xmlns:a="http://schemas.openxmlformats.org/drawingml/2006/main" xmlns:r="http://schemas.openxmlformats.org/officeDocument/2006/relationships" xmlns:p="http://schemas.openxmlformats.org/presentationml/2006/main">
-  <p:cSld>
-    <p:spTree>
-      <p:nvGrpSpPr>
-        <p:cNvPr id="1" name=""/>
-        <p:cNvGrpSpPr/>
-        <p:nvPr/>
-      </p:nvGrpSpPr>
-      <p:grpSpPr>
-        <a:xfrm>
-          <a:off x="0" y="0"/>
-          <a:ext cx="0" cy="0"/>
-          <a:chOff x="0" y="0"/>
-          <a:chExt cx="0" cy="0"/>
-        </a:xfrm>
-      </p:grpSpPr>
-      <p:sp>
-        <p:nvSpPr>
-          <p:cNvPr id="2" name="Title 1"/>
-          <p:cNvSpPr>
-            <a:spLocks noGrp="1"/>
-          </p:cNvSpPr>
-          <p:nvPr>
-            <p:ph type="title"/>
-          </p:nvPr>
-        </p:nvSpPr>
-        <p:spPr/>
-        <p:txBody>
-          <a:bodyPr/>
-          <a:lstStyle/>
-          <a:p>
-            <a:endParaRPr lang="en-US"/>
-          </a:p>
-        </p:txBody>
-      </p:sp>
       <p:pic>
         <p:nvPicPr>
-          <p:cNvPr id="4" name="Content Placeholder 3" descr="semcorpo.JPG"/>
+          <p:cNvPr id="5" name="Content Placeholder 3" descr="semcorpo.JPG">
+            <a:extLst>
+              <a:ext uri="{FF2B5EF4-FFF2-40B4-BE49-F238E27FC236}">
+                <a16:creationId xmlns:a16="http://schemas.microsoft.com/office/drawing/2014/main" id="{A92B58EB-B25A-2743-B584-92D93FE19ED8}"/>
+              </a:ext>
+            </a:extLst>
+          </p:cNvPr>
           <p:cNvPicPr>
-            <a:picLocks noGrp="1" noChangeAspect="1"/>
+            <a:picLocks noChangeAspect="1"/>
           </p:cNvPicPr>
-          <p:nvPr>
-            <p:ph idx="1"/>
-          </p:nvPr>
+          <p:nvPr/>
         </p:nvPicPr>
         <p:blipFill>
-          <a:blip r:embed="rId2">
+          <a:blip r:embed="rId3">
             <a:extLst>
               <a:ext uri="{28A0092B-C50C-407E-A947-70E740481C1C}">
                 <a14:useLocalDpi xmlns:a14="http://schemas.microsoft.com/office/drawing/2010/main" val="0"/>
@@ -3394,69 +3288,32 @@
             <a:fillRect/>
           </a:stretch>
         </p:blipFill>
-        <p:spPr/>
+        <p:spPr>
+          <a:xfrm>
+            <a:off x="2633240" y="1736980"/>
+            <a:ext cx="2141465" cy="1177723"/>
+          </a:xfrm>
+          <a:prstGeom prst="rect">
+            <a:avLst/>
+          </a:prstGeom>
+        </p:spPr>
       </p:pic>
-    </p:spTree>
-    <p:extLst>
-      <p:ext uri="{BB962C8B-B14F-4D97-AF65-F5344CB8AC3E}">
-        <p14:creationId xmlns:p14="http://schemas.microsoft.com/office/powerpoint/2010/main" val="682491827"/>
-      </p:ext>
-    </p:extLst>
-  </p:cSld>
-  <p:clrMapOvr>
-    <a:masterClrMapping/>
-  </p:clrMapOvr>
-</p:sld>
-</file>
-
-<file path=ppt/slides/slide5.xml><?xml version="1.0" encoding="utf-8"?>
-<p:sld xmlns:a="http://schemas.openxmlformats.org/drawingml/2006/main" xmlns:r="http://schemas.openxmlformats.org/officeDocument/2006/relationships" xmlns:p="http://schemas.openxmlformats.org/presentationml/2006/main">
-  <p:cSld>
-    <p:spTree>
-      <p:nvGrpSpPr>
-        <p:cNvPr id="1" name=""/>
-        <p:cNvGrpSpPr/>
-        <p:nvPr/>
-      </p:nvGrpSpPr>
-      <p:grpSpPr>
-        <a:xfrm>
-          <a:off x="0" y="0"/>
-          <a:ext cx="0" cy="0"/>
-          <a:chOff x="0" y="0"/>
-          <a:chExt cx="0" cy="0"/>
-        </a:xfrm>
-      </p:grpSpPr>
-      <p:sp>
-        <p:nvSpPr>
-          <p:cNvPr id="2" name="Title 1"/>
-          <p:cNvSpPr>
-            <a:spLocks noGrp="1"/>
-          </p:cNvSpPr>
-          <p:nvPr>
-            <p:ph type="title"/>
-          </p:nvPr>
-        </p:nvSpPr>
-        <p:spPr/>
-        <p:txBody>
-          <a:bodyPr/>
-          <a:lstStyle/>
-          <a:p>
-            <a:endParaRPr lang="en-US"/>
-          </a:p>
-        </p:txBody>
-      </p:sp>
       <p:pic>
         <p:nvPicPr>
-          <p:cNvPr id="4" name="Content Placeholder 3" descr="sembracoDE.JPG"/>
+          <p:cNvPr id="6" name="Content Placeholder 3" descr="sembracoDE.JPG">
+            <a:extLst>
+              <a:ext uri="{FF2B5EF4-FFF2-40B4-BE49-F238E27FC236}">
+                <a16:creationId xmlns:a16="http://schemas.microsoft.com/office/drawing/2014/main" id="{E15985D6-6602-2048-9B15-62BB33101AEC}"/>
+              </a:ext>
+            </a:extLst>
+          </p:cNvPr>
           <p:cNvPicPr>
-            <a:picLocks noGrp="1" noChangeAspect="1"/>
+            <a:picLocks noChangeAspect="1"/>
           </p:cNvPicPr>
-          <p:nvPr>
-            <p:ph idx="1"/>
-          </p:nvPr>
+          <p:nvPr/>
         </p:nvPicPr>
         <p:blipFill>
-          <a:blip r:embed="rId2">
+          <a:blip r:embed="rId4">
             <a:extLst>
               <a:ext uri="{28A0092B-C50C-407E-A947-70E740481C1C}">
                 <a14:useLocalDpi xmlns:a14="http://schemas.microsoft.com/office/drawing/2010/main" val="0"/>
@@ -3468,69 +3325,32 @@
             <a:fillRect/>
           </a:stretch>
         </p:blipFill>
-        <p:spPr/>
+        <p:spPr>
+          <a:xfrm>
+            <a:off x="4572000" y="1600200"/>
+            <a:ext cx="2604486" cy="1432367"/>
+          </a:xfrm>
+          <a:prstGeom prst="rect">
+            <a:avLst/>
+          </a:prstGeom>
+        </p:spPr>
       </p:pic>
-    </p:spTree>
-    <p:extLst>
-      <p:ext uri="{BB962C8B-B14F-4D97-AF65-F5344CB8AC3E}">
-        <p14:creationId xmlns:p14="http://schemas.microsoft.com/office/powerpoint/2010/main" val="1580233542"/>
-      </p:ext>
-    </p:extLst>
-  </p:cSld>
-  <p:clrMapOvr>
-    <a:masterClrMapping/>
-  </p:clrMapOvr>
-</p:sld>
-</file>
-
-<file path=ppt/slides/slide6.xml><?xml version="1.0" encoding="utf-8"?>
-<p:sld xmlns:a="http://schemas.openxmlformats.org/drawingml/2006/main" xmlns:r="http://schemas.openxmlformats.org/officeDocument/2006/relationships" xmlns:p="http://schemas.openxmlformats.org/presentationml/2006/main">
-  <p:cSld>
-    <p:spTree>
-      <p:nvGrpSpPr>
-        <p:cNvPr id="1" name=""/>
-        <p:cNvGrpSpPr/>
-        <p:nvPr/>
-      </p:nvGrpSpPr>
-      <p:grpSpPr>
-        <a:xfrm>
-          <a:off x="0" y="0"/>
-          <a:ext cx="0" cy="0"/>
-          <a:chOff x="0" y="0"/>
-          <a:chExt cx="0" cy="0"/>
-        </a:xfrm>
-      </p:grpSpPr>
-      <p:sp>
-        <p:nvSpPr>
-          <p:cNvPr id="2" name="Title 1"/>
-          <p:cNvSpPr>
-            <a:spLocks noGrp="1"/>
-          </p:cNvSpPr>
-          <p:nvPr>
-            <p:ph type="title"/>
-          </p:nvPr>
-        </p:nvSpPr>
-        <p:spPr/>
-        <p:txBody>
-          <a:bodyPr/>
-          <a:lstStyle/>
-          <a:p>
-            <a:endParaRPr lang="en-US"/>
-          </a:p>
-        </p:txBody>
-      </p:sp>
       <p:pic>
         <p:nvPicPr>
-          <p:cNvPr id="4" name="Content Placeholder 3" descr="sembracoE.JPG"/>
+          <p:cNvPr id="7" name="Content Placeholder 3" descr="sembracoE.JPG">
+            <a:extLst>
+              <a:ext uri="{FF2B5EF4-FFF2-40B4-BE49-F238E27FC236}">
+                <a16:creationId xmlns:a16="http://schemas.microsoft.com/office/drawing/2014/main" id="{4A60EB3C-F18B-1948-9A24-21DD83C61F2B}"/>
+              </a:ext>
+            </a:extLst>
+          </p:cNvPr>
           <p:cNvPicPr>
-            <a:picLocks noGrp="1" noChangeAspect="1"/>
+            <a:picLocks noChangeAspect="1"/>
           </p:cNvPicPr>
-          <p:nvPr>
-            <p:ph idx="1"/>
-          </p:nvPr>
+          <p:nvPr/>
         </p:nvPicPr>
         <p:blipFill>
-          <a:blip r:embed="rId2">
+          <a:blip r:embed="rId5">
             <a:extLst>
               <a:ext uri="{28A0092B-C50C-407E-A947-70E740481C1C}">
                 <a14:useLocalDpi xmlns:a14="http://schemas.microsoft.com/office/drawing/2010/main" val="0"/>
@@ -3542,69 +3362,32 @@
             <a:fillRect/>
           </a:stretch>
         </p:blipFill>
-        <p:spPr/>
+        <p:spPr>
+          <a:xfrm>
+            <a:off x="6499333" y="1600200"/>
+            <a:ext cx="2390173" cy="1314503"/>
+          </a:xfrm>
+          <a:prstGeom prst="rect">
+            <a:avLst/>
+          </a:prstGeom>
+        </p:spPr>
       </p:pic>
-    </p:spTree>
-    <p:extLst>
-      <p:ext uri="{BB962C8B-B14F-4D97-AF65-F5344CB8AC3E}">
-        <p14:creationId xmlns:p14="http://schemas.microsoft.com/office/powerpoint/2010/main" val="2274262335"/>
-      </p:ext>
-    </p:extLst>
-  </p:cSld>
-  <p:clrMapOvr>
-    <a:masterClrMapping/>
-  </p:clrMapOvr>
-</p:sld>
-</file>
-
-<file path=ppt/slides/slide7.xml><?xml version="1.0" encoding="utf-8"?>
-<p:sld xmlns:a="http://schemas.openxmlformats.org/drawingml/2006/main" xmlns:r="http://schemas.openxmlformats.org/officeDocument/2006/relationships" xmlns:p="http://schemas.openxmlformats.org/presentationml/2006/main">
-  <p:cSld>
-    <p:spTree>
-      <p:nvGrpSpPr>
-        <p:cNvPr id="1" name=""/>
-        <p:cNvGrpSpPr/>
-        <p:nvPr/>
-      </p:nvGrpSpPr>
-      <p:grpSpPr>
-        <a:xfrm>
-          <a:off x="0" y="0"/>
-          <a:ext cx="0" cy="0"/>
-          <a:chOff x="0" y="0"/>
-          <a:chExt cx="0" cy="0"/>
-        </a:xfrm>
-      </p:grpSpPr>
-      <p:sp>
-        <p:nvSpPr>
-          <p:cNvPr id="2" name="Title 1"/>
-          <p:cNvSpPr>
-            <a:spLocks noGrp="1"/>
-          </p:cNvSpPr>
-          <p:nvPr>
-            <p:ph type="title"/>
-          </p:nvPr>
-        </p:nvSpPr>
-        <p:spPr/>
-        <p:txBody>
-          <a:bodyPr/>
-          <a:lstStyle/>
-          <a:p>
-            <a:endParaRPr lang="en-US"/>
-          </a:p>
-        </p:txBody>
-      </p:sp>
       <p:pic>
         <p:nvPicPr>
-          <p:cNvPr id="4" name="Content Placeholder 3" descr="sempe.JPG"/>
+          <p:cNvPr id="8" name="Content Placeholder 3" descr="sempe.JPG">
+            <a:extLst>
+              <a:ext uri="{FF2B5EF4-FFF2-40B4-BE49-F238E27FC236}">
+                <a16:creationId xmlns:a16="http://schemas.microsoft.com/office/drawing/2014/main" id="{69840C2E-B9FA-5F45-B79B-E212B41618AA}"/>
+              </a:ext>
+            </a:extLst>
+          </p:cNvPr>
           <p:cNvPicPr>
-            <a:picLocks noGrp="1" noChangeAspect="1"/>
+            <a:picLocks noChangeAspect="1"/>
           </p:cNvPicPr>
-          <p:nvPr>
-            <p:ph idx="1"/>
-          </p:nvPr>
+          <p:nvPr/>
         </p:nvPicPr>
         <p:blipFill>
-          <a:blip r:embed="rId2">
+          <a:blip r:embed="rId6">
             <a:extLst>
               <a:ext uri="{28A0092B-C50C-407E-A947-70E740481C1C}">
                 <a14:useLocalDpi xmlns:a14="http://schemas.microsoft.com/office/drawing/2010/main" val="0"/>
@@ -3616,69 +3399,32 @@
             <a:fillRect/>
           </a:stretch>
         </p:blipFill>
-        <p:spPr/>
+        <p:spPr>
+          <a:xfrm>
+            <a:off x="277453" y="3429000"/>
+            <a:ext cx="2667625" cy="1467091"/>
+          </a:xfrm>
+          <a:prstGeom prst="rect">
+            <a:avLst/>
+          </a:prstGeom>
+        </p:spPr>
       </p:pic>
-    </p:spTree>
-    <p:extLst>
-      <p:ext uri="{BB962C8B-B14F-4D97-AF65-F5344CB8AC3E}">
-        <p14:creationId xmlns:p14="http://schemas.microsoft.com/office/powerpoint/2010/main" val="3720032047"/>
-      </p:ext>
-    </p:extLst>
-  </p:cSld>
-  <p:clrMapOvr>
-    <a:masterClrMapping/>
-  </p:clrMapOvr>
-</p:sld>
-</file>
-
-<file path=ppt/slides/slide8.xml><?xml version="1.0" encoding="utf-8"?>
-<p:sld xmlns:a="http://schemas.openxmlformats.org/drawingml/2006/main" xmlns:r="http://schemas.openxmlformats.org/officeDocument/2006/relationships" xmlns:p="http://schemas.openxmlformats.org/presentationml/2006/main">
-  <p:cSld>
-    <p:spTree>
-      <p:nvGrpSpPr>
-        <p:cNvPr id="1" name=""/>
-        <p:cNvGrpSpPr/>
-        <p:nvPr/>
-      </p:nvGrpSpPr>
-      <p:grpSpPr>
-        <a:xfrm>
-          <a:off x="0" y="0"/>
-          <a:ext cx="0" cy="0"/>
-          <a:chOff x="0" y="0"/>
-          <a:chExt cx="0" cy="0"/>
-        </a:xfrm>
-      </p:grpSpPr>
-      <p:sp>
-        <p:nvSpPr>
-          <p:cNvPr id="2" name="Title 1"/>
-          <p:cNvSpPr>
-            <a:spLocks noGrp="1"/>
-          </p:cNvSpPr>
-          <p:nvPr>
-            <p:ph type="title"/>
-          </p:nvPr>
-        </p:nvSpPr>
-        <p:spPr/>
-        <p:txBody>
-          <a:bodyPr/>
-          <a:lstStyle/>
-          <a:p>
-            <a:endParaRPr lang="en-US"/>
-          </a:p>
-        </p:txBody>
-      </p:sp>
       <p:pic>
         <p:nvPicPr>
-          <p:cNvPr id="4" name="Content Placeholder 3" descr="completa.JPG"/>
+          <p:cNvPr id="9" name="Content Placeholder 3" descr="completa.JPG">
+            <a:extLst>
+              <a:ext uri="{FF2B5EF4-FFF2-40B4-BE49-F238E27FC236}">
+                <a16:creationId xmlns:a16="http://schemas.microsoft.com/office/drawing/2014/main" id="{93E9E94B-4815-E240-ACEE-45AC4CA155B7}"/>
+              </a:ext>
+            </a:extLst>
+          </p:cNvPr>
           <p:cNvPicPr>
-            <a:picLocks noGrp="1" noChangeAspect="1"/>
+            <a:picLocks noChangeAspect="1"/>
           </p:cNvPicPr>
-          <p:nvPr>
-            <p:ph idx="1"/>
-          </p:nvPr>
+          <p:nvPr/>
         </p:nvPicPr>
         <p:blipFill>
-          <a:blip r:embed="rId2">
+          <a:blip r:embed="rId7">
             <a:extLst>
               <a:ext uri="{28A0092B-C50C-407E-A947-70E740481C1C}">
                 <a14:useLocalDpi xmlns:a14="http://schemas.microsoft.com/office/drawing/2010/main" val="0"/>
@@ -3690,12 +3436,20 @@
             <a:fillRect/>
           </a:stretch>
         </p:blipFill>
-        <p:spPr/>
+        <p:spPr>
+          <a:xfrm>
+            <a:off x="2260991" y="2914703"/>
+            <a:ext cx="3834287" cy="2108710"/>
+          </a:xfrm>
+          <a:prstGeom prst="rect">
+            <a:avLst/>
+          </a:prstGeom>
+        </p:spPr>
       </p:pic>
     </p:spTree>
     <p:extLst>
       <p:ext uri="{BB962C8B-B14F-4D97-AF65-F5344CB8AC3E}">
-        <p14:creationId xmlns:p14="http://schemas.microsoft.com/office/powerpoint/2010/main" val="2210748683"/>
+        <p14:creationId xmlns:p14="http://schemas.microsoft.com/office/powerpoint/2010/main" val="992521868"/>
       </p:ext>
     </p:extLst>
   </p:cSld>
